--- a/images/email/make-a-difference.pptx
+++ b/images/email/make-a-difference.pptx
@@ -9,6 +9,7 @@
     <p:sldId id="257" r:id="rId3"/>
     <p:sldId id="258" r:id="rId4"/>
     <p:sldId id="259" r:id="rId5"/>
+    <p:sldId id="260" r:id="rId6"/>
   </p:sldIdLst>
   <p:sldSz cx="12192000" cy="6858000"/>
   <p:notesSz cx="6858000" cy="9144000"/>
@@ -107,6 +108,11 @@
       </a:defRPr>
     </a:lvl9pPr>
   </p:defaultTextStyle>
+  <p:extLst>
+    <p:ext uri="{EFAFB233-063F-42B5-8137-9DF3F51BA10A}">
+      <p15:sldGuideLst xmlns:p15="http://schemas.microsoft.com/office/powerpoint/2012/main"/>
+    </p:ext>
+  </p:extLst>
 </p:presentation>
 </file>
 
@@ -4135,6 +4141,197 @@
 </p:sld>
 </file>
 
+<file path=ppt/slides/slide5.xml><?xml version="1.0" encoding="utf-8"?>
+<p:sld xmlns:a="http://schemas.openxmlformats.org/drawingml/2006/main" xmlns:r="http://schemas.openxmlformats.org/officeDocument/2006/relationships" xmlns:p="http://schemas.openxmlformats.org/presentationml/2006/main">
+  <p:cSld>
+    <p:bg>
+      <p:bgPr>
+        <a:solidFill>
+          <a:schemeClr val="accent2"/>
+        </a:solidFill>
+        <a:effectLst/>
+      </p:bgPr>
+    </p:bg>
+    <p:spTree>
+      <p:nvGrpSpPr>
+        <p:cNvPr id="1" name=""/>
+        <p:cNvGrpSpPr/>
+        <p:nvPr/>
+      </p:nvGrpSpPr>
+      <p:grpSpPr>
+        <a:xfrm>
+          <a:off x="0" y="0"/>
+          <a:ext cx="0" cy="0"/>
+          <a:chOff x="0" y="0"/>
+          <a:chExt cx="0" cy="0"/>
+        </a:xfrm>
+      </p:grpSpPr>
+      <p:pic>
+        <p:nvPicPr>
+          <p:cNvPr id="3" name="Picture 2" descr="A close up of a logo&#10;&#10;Description automatically generated">
+            <a:extLst>
+              <a:ext uri="{FF2B5EF4-FFF2-40B4-BE49-F238E27FC236}">
+                <a16:creationId xmlns:a16="http://schemas.microsoft.com/office/drawing/2014/main" id="{62FA3913-DCE7-4427-B773-4AE958D6B753}"/>
+              </a:ext>
+            </a:extLst>
+          </p:cNvPr>
+          <p:cNvPicPr>
+            <a:picLocks noChangeAspect="1"/>
+          </p:cNvPicPr>
+          <p:nvPr/>
+        </p:nvPicPr>
+        <p:blipFill>
+          <a:blip r:embed="rId2">
+            <a:extLst>
+              <a:ext uri="{28A0092B-C50C-407E-A947-70E740481C1C}">
+                <a14:useLocalDpi xmlns:a14="http://schemas.microsoft.com/office/drawing/2010/main" val="0"/>
+              </a:ext>
+            </a:extLst>
+          </a:blip>
+          <a:stretch>
+            <a:fillRect/>
+          </a:stretch>
+        </p:blipFill>
+        <p:spPr>
+          <a:xfrm>
+            <a:off x="1229897" y="1564919"/>
+            <a:ext cx="952500" cy="476250"/>
+          </a:xfrm>
+          <a:prstGeom prst="rect">
+            <a:avLst/>
+          </a:prstGeom>
+        </p:spPr>
+      </p:pic>
+      <p:sp>
+        <p:nvSpPr>
+          <p:cNvPr id="6" name="TextBox 5">
+            <a:extLst>
+              <a:ext uri="{FF2B5EF4-FFF2-40B4-BE49-F238E27FC236}">
+                <a16:creationId xmlns:a16="http://schemas.microsoft.com/office/drawing/2014/main" id="{9C9384C5-BC50-4B9A-B240-EF76403BD726}"/>
+              </a:ext>
+            </a:extLst>
+          </p:cNvPr>
+          <p:cNvSpPr txBox="1">
+            <a:spLocks/>
+          </p:cNvSpPr>
+          <p:nvPr/>
+        </p:nvSpPr>
+        <p:spPr>
+          <a:xfrm>
+            <a:off x="1075724" y="2291317"/>
+            <a:ext cx="1463862" cy="461665"/>
+          </a:xfrm>
+          <a:prstGeom prst="rect">
+            <a:avLst/>
+          </a:prstGeom>
+          <a:noFill/>
+        </p:spPr>
+        <p:txBody>
+          <a:bodyPr wrap="square" rtlCol="0">
+            <a:spAutoFit/>
+          </a:bodyPr>
+          <a:lstStyle/>
+          <a:p>
+            <a:r>
+              <a:rPr lang="en-GB" sz="2400" b="1" i="1" spc="-150" dirty="0">
+                <a:latin typeface="Lucida Handwriting" panose="03010101010101010101" pitchFamily="66" charset="0"/>
+              </a:rPr>
+              <a:t>Johnny</a:t>
+            </a:r>
+          </a:p>
+        </p:txBody>
+      </p:sp>
+      <p:sp>
+        <p:nvSpPr>
+          <p:cNvPr id="8" name="TextBox 7">
+            <a:extLst>
+              <a:ext uri="{FF2B5EF4-FFF2-40B4-BE49-F238E27FC236}">
+                <a16:creationId xmlns:a16="http://schemas.microsoft.com/office/drawing/2014/main" id="{B5B1B3A1-6A8E-4759-9A2E-425231ECF4C8}"/>
+              </a:ext>
+            </a:extLst>
+          </p:cNvPr>
+          <p:cNvSpPr txBox="1">
+            <a:spLocks/>
+          </p:cNvSpPr>
+          <p:nvPr/>
+        </p:nvSpPr>
+        <p:spPr>
+          <a:xfrm>
+            <a:off x="2977179" y="1454890"/>
+            <a:ext cx="1658615" cy="461665"/>
+          </a:xfrm>
+          <a:prstGeom prst="rect">
+            <a:avLst/>
+          </a:prstGeom>
+          <a:noFill/>
+        </p:spPr>
+        <p:txBody>
+          <a:bodyPr wrap="square" rtlCol="0">
+            <a:spAutoFit/>
+          </a:bodyPr>
+          <a:lstStyle/>
+          <a:p>
+            <a:r>
+              <a:rPr lang="en-GB" sz="2400" b="1" i="1" spc="-150" dirty="0">
+                <a:latin typeface="Lucida Handwriting" panose="03010101010101010101" pitchFamily="66" charset="0"/>
+              </a:rPr>
+              <a:t>Azucena</a:t>
+            </a:r>
+          </a:p>
+        </p:txBody>
+      </p:sp>
+      <p:sp>
+        <p:nvSpPr>
+          <p:cNvPr id="10" name="TextBox 9">
+            <a:extLst>
+              <a:ext uri="{FF2B5EF4-FFF2-40B4-BE49-F238E27FC236}">
+                <a16:creationId xmlns:a16="http://schemas.microsoft.com/office/drawing/2014/main" id="{1AFA2451-6199-4492-ACCE-EEF3594EEEB3}"/>
+              </a:ext>
+            </a:extLst>
+          </p:cNvPr>
+          <p:cNvSpPr txBox="1">
+            <a:spLocks/>
+          </p:cNvSpPr>
+          <p:nvPr/>
+        </p:nvSpPr>
+        <p:spPr>
+          <a:xfrm>
+            <a:off x="3216412" y="2193853"/>
+            <a:ext cx="1463862" cy="461665"/>
+          </a:xfrm>
+          <a:prstGeom prst="rect">
+            <a:avLst/>
+          </a:prstGeom>
+          <a:noFill/>
+        </p:spPr>
+        <p:txBody>
+          <a:bodyPr wrap="square" rtlCol="0">
+            <a:spAutoFit/>
+          </a:bodyPr>
+          <a:lstStyle/>
+          <a:p>
+            <a:r>
+              <a:rPr lang="en-GB" sz="2400" b="1" i="1" spc="-150" dirty="0">
+                <a:latin typeface="Lucida Handwriting" panose="03010101010101010101" pitchFamily="66" charset="0"/>
+              </a:rPr>
+              <a:t>Maria</a:t>
+            </a:r>
+          </a:p>
+        </p:txBody>
+      </p:sp>
+    </p:spTree>
+    <p:extLst>
+      <p:ext uri="{BB962C8B-B14F-4D97-AF65-F5344CB8AC3E}">
+        <p14:creationId xmlns:p14="http://schemas.microsoft.com/office/powerpoint/2010/main" val="3195962784"/>
+      </p:ext>
+    </p:extLst>
+  </p:cSld>
+  <p:clrMapOvr>
+    <a:masterClrMapping/>
+  </p:clrMapOvr>
+</p:sld>
+</file>
+
 <file path=ppt/theme/theme1.xml><?xml version="1.0" encoding="utf-8"?>
 <a:theme xmlns:a="http://schemas.openxmlformats.org/drawingml/2006/main" name="Office Theme">
   <a:themeElements>

--- a/images/email/make-a-difference.pptx
+++ b/images/email/make-a-difference.pptx
@@ -4257,8 +4257,8 @@
         </p:nvSpPr>
         <p:spPr>
           <a:xfrm>
-            <a:off x="2977179" y="1454890"/>
-            <a:ext cx="1658615" cy="461665"/>
+            <a:off x="2982897" y="1454890"/>
+            <a:ext cx="1652897" cy="461665"/>
           </a:xfrm>
           <a:prstGeom prst="rect">
             <a:avLst/>
